--- a/notes/UML Diagram.pptx
+++ b/notes/UML Diagram.pptx
@@ -6,6 +6,7 @@
   </p:sldMasterIdLst>
   <p:sldIdLst>
     <p:sldId id="256" r:id="rId2"/>
+    <p:sldId id="257" r:id="rId3"/>
   </p:sldIdLst>
   <p:sldSz cx="36004500" cy="36004500"/>
   <p:notesSz cx="6858000" cy="9144000"/>
@@ -288,7 +289,7 @@
           <a:p>
             <a:fld id="{5FB9493D-0311-41DA-A78D-18D0DAD13E86}" type="datetimeFigureOut">
               <a:rPr lang="en-ZA" smtClean="0"/>
-              <a:t>2013/03/25</a:t>
+              <a:t>2013/03/27</a:t>
             </a:fld>
             <a:endParaRPr lang="en-ZA"/>
           </a:p>
@@ -458,7 +459,7 @@
           <a:p>
             <a:fld id="{5FB9493D-0311-41DA-A78D-18D0DAD13E86}" type="datetimeFigureOut">
               <a:rPr lang="en-ZA" smtClean="0"/>
-              <a:t>2013/03/25</a:t>
+              <a:t>2013/03/27</a:t>
             </a:fld>
             <a:endParaRPr lang="en-ZA"/>
           </a:p>
@@ -638,7 +639,7 @@
           <a:p>
             <a:fld id="{5FB9493D-0311-41DA-A78D-18D0DAD13E86}" type="datetimeFigureOut">
               <a:rPr lang="en-ZA" smtClean="0"/>
-              <a:t>2013/03/25</a:t>
+              <a:t>2013/03/27</a:t>
             </a:fld>
             <a:endParaRPr lang="en-ZA"/>
           </a:p>
@@ -808,7 +809,7 @@
           <a:p>
             <a:fld id="{5FB9493D-0311-41DA-A78D-18D0DAD13E86}" type="datetimeFigureOut">
               <a:rPr lang="en-ZA" smtClean="0"/>
-              <a:t>2013/03/25</a:t>
+              <a:t>2013/03/27</a:t>
             </a:fld>
             <a:endParaRPr lang="en-ZA"/>
           </a:p>
@@ -1054,7 +1055,7 @@
           <a:p>
             <a:fld id="{5FB9493D-0311-41DA-A78D-18D0DAD13E86}" type="datetimeFigureOut">
               <a:rPr lang="en-ZA" smtClean="0"/>
-              <a:t>2013/03/25</a:t>
+              <a:t>2013/03/27</a:t>
             </a:fld>
             <a:endParaRPr lang="en-ZA"/>
           </a:p>
@@ -1342,7 +1343,7 @@
           <a:p>
             <a:fld id="{5FB9493D-0311-41DA-A78D-18D0DAD13E86}" type="datetimeFigureOut">
               <a:rPr lang="en-ZA" smtClean="0"/>
-              <a:t>2013/03/25</a:t>
+              <a:t>2013/03/27</a:t>
             </a:fld>
             <a:endParaRPr lang="en-ZA"/>
           </a:p>
@@ -1764,7 +1765,7 @@
           <a:p>
             <a:fld id="{5FB9493D-0311-41DA-A78D-18D0DAD13E86}" type="datetimeFigureOut">
               <a:rPr lang="en-ZA" smtClean="0"/>
-              <a:t>2013/03/25</a:t>
+              <a:t>2013/03/27</a:t>
             </a:fld>
             <a:endParaRPr lang="en-ZA"/>
           </a:p>
@@ -1882,7 +1883,7 @@
           <a:p>
             <a:fld id="{5FB9493D-0311-41DA-A78D-18D0DAD13E86}" type="datetimeFigureOut">
               <a:rPr lang="en-ZA" smtClean="0"/>
-              <a:t>2013/03/25</a:t>
+              <a:t>2013/03/27</a:t>
             </a:fld>
             <a:endParaRPr lang="en-ZA"/>
           </a:p>
@@ -1977,7 +1978,7 @@
           <a:p>
             <a:fld id="{5FB9493D-0311-41DA-A78D-18D0DAD13E86}" type="datetimeFigureOut">
               <a:rPr lang="en-ZA" smtClean="0"/>
-              <a:t>2013/03/25</a:t>
+              <a:t>2013/03/27</a:t>
             </a:fld>
             <a:endParaRPr lang="en-ZA"/>
           </a:p>
@@ -2254,7 +2255,7 @@
           <a:p>
             <a:fld id="{5FB9493D-0311-41DA-A78D-18D0DAD13E86}" type="datetimeFigureOut">
               <a:rPr lang="en-ZA" smtClean="0"/>
-              <a:t>2013/03/25</a:t>
+              <a:t>2013/03/27</a:t>
             </a:fld>
             <a:endParaRPr lang="en-ZA"/>
           </a:p>
@@ -2507,7 +2508,7 @@
           <a:p>
             <a:fld id="{5FB9493D-0311-41DA-A78D-18D0DAD13E86}" type="datetimeFigureOut">
               <a:rPr lang="en-ZA" smtClean="0"/>
-              <a:t>2013/03/25</a:t>
+              <a:t>2013/03/27</a:t>
             </a:fld>
             <a:endParaRPr lang="en-ZA"/>
           </a:p>
@@ -2720,7 +2721,7 @@
           <a:p>
             <a:fld id="{5FB9493D-0311-41DA-A78D-18D0DAD13E86}" type="datetimeFigureOut">
               <a:rPr lang="en-ZA" smtClean="0"/>
-              <a:t>2013/03/25</a:t>
+              <a:t>2013/03/27</a:t>
             </a:fld>
             <a:endParaRPr lang="en-ZA"/>
           </a:p>
@@ -3103,7 +3104,7 @@
         </p:nvSpPr>
         <p:spPr>
           <a:xfrm>
-            <a:off x="1542845" y="8591936"/>
+            <a:off x="1542845" y="8641210"/>
             <a:ext cx="7512323" cy="13105456"/>
           </a:xfrm>
           <a:prstGeom prst="rect">
@@ -3858,10 +3859,6 @@
               </a:rPr>
               <a:t>)</a:t>
             </a:r>
-            <a:endParaRPr lang="en-ZA" sz="2400" dirty="0">
-              <a:ea typeface="Calibri"/>
-              <a:cs typeface="Times New Roman"/>
-            </a:endParaRPr>
           </a:p>
           <a:p>
             <a:pPr>
@@ -4147,14 +4144,7 @@
                 <a:ea typeface="Calibri"/>
                 <a:cs typeface="Times New Roman"/>
               </a:rPr>
-              <a:t>void </a:t>
-            </a:r>
-            <a:r>
-              <a:rPr lang="en-ZA" sz="2400" dirty="0">
-                <a:ea typeface="Calibri"/>
-                <a:cs typeface="Times New Roman"/>
-              </a:rPr>
-              <a:t>step(</a:t>
+              <a:t>void step(</a:t>
             </a:r>
             <a:r>
               <a:rPr lang="en-ZA" sz="2400" dirty="0" err="1">
@@ -4170,10 +4160,6 @@
               </a:rPr>
               <a:t> )</a:t>
             </a:r>
-            <a:endParaRPr lang="en-ZA" sz="2400" dirty="0">
-              <a:ea typeface="Calibri"/>
-              <a:cs typeface="Times New Roman"/>
-            </a:endParaRPr>
           </a:p>
           <a:p>
             <a:pPr>
@@ -4661,9 +4647,61 @@
                 <a:ea typeface="Calibri"/>
                 <a:cs typeface="Times New Roman"/>
               </a:rPr>
+              <a:t> </a:t>
+            </a:r>
+            <a:r>
+              <a:rPr lang="en-ZA" sz="2400" dirty="0" smtClean="0">
+                <a:ea typeface="Calibri"/>
+                <a:cs typeface="Times New Roman"/>
+              </a:rPr>
+              <a:t>)</a:t>
+            </a:r>
+          </a:p>
+          <a:p>
+            <a:pPr>
+              <a:lnSpc>
+                <a:spcPct val="115000"/>
+              </a:lnSpc>
+              <a:spcAft>
+                <a:spcPts val="4498"/>
+              </a:spcAft>
+            </a:pPr>
+            <a:r>
+              <a:rPr lang="en-US" sz="2400" dirty="0" smtClean="0">
+                <a:ea typeface="Calibri"/>
+                <a:cs typeface="Times New Roman"/>
+              </a:rPr>
+              <a:t>void </a:t>
+            </a:r>
+            <a:r>
+              <a:rPr lang="en-US" sz="2400" dirty="0" err="1" smtClean="0">
+                <a:ea typeface="Calibri"/>
+                <a:cs typeface="Times New Roman"/>
+              </a:rPr>
+              <a:t>performInitialInfections</a:t>
+            </a:r>
+            <a:r>
+              <a:rPr lang="en-US" sz="2400" dirty="0" smtClean="0">
+                <a:ea typeface="Calibri"/>
+                <a:cs typeface="Times New Roman"/>
+              </a:rPr>
+              <a:t>( </a:t>
+            </a:r>
+            <a:r>
+              <a:rPr lang="en-US" sz="2400" dirty="0" err="1" smtClean="0">
+                <a:ea typeface="Calibri"/>
+                <a:cs typeface="Times New Roman"/>
+              </a:rPr>
+              <a:t>SimpactII</a:t>
+            </a:r>
+            <a:r>
+              <a:rPr lang="en-US" sz="2400" dirty="0" smtClean="0">
+                <a:ea typeface="Calibri"/>
+                <a:cs typeface="Times New Roman"/>
+              </a:rPr>
               <a:t> )</a:t>
             </a:r>
-            <a:endParaRPr lang="en-ZA" sz="2400" b="1" dirty="0" smtClean="0">
+            <a:endParaRPr lang="en-ZA" sz="2400" dirty="0" smtClean="0">
               <a:ea typeface="Calibri"/>
               <a:cs typeface="Times New Roman"/>
             </a:endParaRPr>
@@ -5126,12 +5164,13 @@
         </p:nvSpPr>
         <p:spPr>
           <a:xfrm>
-            <a:off x="20378514" y="7417074"/>
+            <a:off x="1542845" y="23323894"/>
             <a:ext cx="6865610" cy="6215422"/>
           </a:xfrm>
           <a:prstGeom prst="rect">
             <a:avLst/>
           </a:prstGeom>
+          <a:ln w="57150"/>
         </p:spPr>
         <p:style>
           <a:lnRef idx="2">
@@ -5189,7 +5228,7 @@
         </p:nvCxnSpPr>
         <p:spPr>
           <a:xfrm flipV="1">
-            <a:off x="25380386" y="9841902"/>
+            <a:off x="6645828" y="25790988"/>
             <a:ext cx="1128637" cy="1152128"/>
           </a:xfrm>
           <a:prstGeom prst="straightConnector1">
@@ -5223,7 +5262,7 @@
         </p:nvCxnSpPr>
         <p:spPr>
           <a:xfrm rot="16200000" flipH="1">
-            <a:off x="25228072" y="11629990"/>
+            <a:off x="6493514" y="27579076"/>
             <a:ext cx="936104" cy="564318"/>
           </a:xfrm>
           <a:prstGeom prst="bentConnector3">
@@ -5261,7 +5300,7 @@
         </p:nvSpPr>
         <p:spPr>
           <a:xfrm>
-            <a:off x="1542845" y="1800450"/>
+            <a:off x="15273640" y="1794275"/>
             <a:ext cx="11235383" cy="1308050"/>
           </a:xfrm>
           <a:prstGeom prst="rect">
@@ -5377,10 +5416,1829 @@
           </a:p>
         </p:txBody>
       </p:sp>
+      <p:sp>
+        <p:nvSpPr>
+          <p:cNvPr id="25" name="Rectangle 24"/>
+          <p:cNvSpPr/>
+          <p:nvPr/>
+        </p:nvSpPr>
+        <p:spPr>
+          <a:xfrm>
+            <a:off x="1546268" y="1941151"/>
+            <a:ext cx="7512323" cy="4251787"/>
+          </a:xfrm>
+          <a:prstGeom prst="rect">
+            <a:avLst/>
+          </a:prstGeom>
+        </p:spPr>
+        <p:style>
+          <a:lnRef idx="2">
+            <a:schemeClr val="dk1"/>
+          </a:lnRef>
+          <a:fillRef idx="1">
+            <a:schemeClr val="lt1"/>
+          </a:fillRef>
+          <a:effectRef idx="0">
+            <a:schemeClr val="dk1"/>
+          </a:effectRef>
+          <a:fontRef idx="minor">
+            <a:schemeClr val="dk1"/>
+          </a:fontRef>
+        </p:style>
+        <p:txBody>
+          <a:bodyPr rot="0" spcFirstLastPara="0" vert="horz" wrap="square" lIns="411387" tIns="205693" rIns="411387" bIns="205693" numCol="1" spcCol="0" rtlCol="0" fromWordArt="0" anchor="t" anchorCtr="0" forceAA="0" compatLnSpc="1">
+            <a:prstTxWarp prst="textNoShape">
+              <a:avLst/>
+            </a:prstTxWarp>
+            <a:noAutofit/>
+          </a:bodyPr>
+          <a:lstStyle/>
+          <a:p>
+            <a:pPr>
+              <a:lnSpc>
+                <a:spcPct val="115000"/>
+              </a:lnSpc>
+              <a:spcAft>
+                <a:spcPts val="4498"/>
+              </a:spcAft>
+            </a:pPr>
+            <a:r>
+              <a:rPr lang="en-ZA" sz="3200" dirty="0" smtClean="0">
+                <a:ea typeface="Calibri"/>
+                <a:cs typeface="Times New Roman"/>
+              </a:rPr>
+              <a:t>GUI</a:t>
+            </a:r>
+            <a:r>
+              <a:rPr lang="en-ZA" sz="2400" dirty="0" smtClean="0">
+                <a:ea typeface="Calibri"/>
+                <a:cs typeface="Times New Roman"/>
+              </a:rPr>
+              <a:t> </a:t>
+            </a:r>
+          </a:p>
+          <a:p>
+            <a:pPr>
+              <a:lnSpc>
+                <a:spcPct val="115000"/>
+              </a:lnSpc>
+              <a:spcAft>
+                <a:spcPts val="4498"/>
+              </a:spcAft>
+            </a:pPr>
+            <a:r>
+              <a:rPr lang="en-ZA" sz="2400" u="sng" dirty="0" err="1" smtClean="0">
+                <a:ea typeface="Calibri"/>
+                <a:cs typeface="Times New Roman"/>
+              </a:rPr>
+              <a:t>Overridable</a:t>
+            </a:r>
+            <a:r>
+              <a:rPr lang="en-ZA" sz="2400" u="sng" dirty="0" smtClean="0">
+                <a:ea typeface="Calibri"/>
+                <a:cs typeface="Times New Roman"/>
+              </a:rPr>
+              <a:t> </a:t>
+            </a:r>
+            <a:r>
+              <a:rPr lang="en-ZA" sz="2400" u="sng" dirty="0">
+                <a:ea typeface="Calibri"/>
+                <a:cs typeface="Times New Roman"/>
+              </a:rPr>
+              <a:t>Methods:</a:t>
+            </a:r>
+            <a:endParaRPr lang="en-ZA" sz="2400" dirty="0">
+              <a:ea typeface="Calibri"/>
+              <a:cs typeface="Times New Roman"/>
+            </a:endParaRPr>
+          </a:p>
+          <a:p>
+            <a:pPr>
+              <a:lnSpc>
+                <a:spcPct val="115000"/>
+              </a:lnSpc>
+              <a:spcAft>
+                <a:spcPts val="4498"/>
+              </a:spcAft>
+            </a:pPr>
+            <a:r>
+              <a:rPr lang="en-ZA" sz="2400" dirty="0" err="1" smtClean="0">
+                <a:ea typeface="Calibri"/>
+                <a:cs typeface="Times New Roman"/>
+              </a:rPr>
+              <a:t>Color</a:t>
+            </a:r>
+            <a:r>
+              <a:rPr lang="en-ZA" sz="2400" dirty="0" smtClean="0">
+                <a:ea typeface="Calibri"/>
+                <a:cs typeface="Times New Roman"/>
+              </a:rPr>
+              <a:t> </a:t>
+            </a:r>
+            <a:r>
+              <a:rPr lang="en-ZA" sz="2400" dirty="0" err="1" smtClean="0">
+                <a:ea typeface="Calibri"/>
+                <a:cs typeface="Times New Roman"/>
+              </a:rPr>
+              <a:t>howDoIColor</a:t>
+            </a:r>
+            <a:r>
+              <a:rPr lang="en-ZA" sz="2400" dirty="0" smtClean="0">
+                <a:ea typeface="Calibri"/>
+                <a:cs typeface="Times New Roman"/>
+              </a:rPr>
+              <a:t>( Agent )</a:t>
+            </a:r>
+          </a:p>
+          <a:p>
+            <a:pPr>
+              <a:lnSpc>
+                <a:spcPct val="115000"/>
+              </a:lnSpc>
+              <a:spcAft>
+                <a:spcPts val="4498"/>
+              </a:spcAft>
+            </a:pPr>
+            <a:r>
+              <a:rPr lang="en-US" sz="2400" dirty="0" smtClean="0">
+                <a:ea typeface="Calibri"/>
+                <a:cs typeface="Times New Roman"/>
+              </a:rPr>
+              <a:t>main( String[] </a:t>
+            </a:r>
+            <a:r>
+              <a:rPr lang="en-US" sz="2400" dirty="0" err="1" smtClean="0">
+                <a:ea typeface="Calibri"/>
+                <a:cs typeface="Times New Roman"/>
+              </a:rPr>
+              <a:t>args</a:t>
+            </a:r>
+            <a:r>
+              <a:rPr lang="en-US" sz="2400" dirty="0">
+                <a:ea typeface="Calibri"/>
+                <a:cs typeface="Times New Roman"/>
+              </a:rPr>
+              <a:t> </a:t>
+            </a:r>
+            <a:r>
+              <a:rPr lang="en-US" sz="2400" dirty="0" smtClean="0">
+                <a:ea typeface="Calibri"/>
+                <a:cs typeface="Times New Roman"/>
+              </a:rPr>
+              <a:t>)</a:t>
+            </a:r>
+            <a:endParaRPr lang="en-ZA" sz="2400" dirty="0" smtClean="0">
+              <a:ea typeface="Calibri"/>
+              <a:cs typeface="Times New Roman"/>
+            </a:endParaRPr>
+          </a:p>
+          <a:p>
+            <a:pPr>
+              <a:lnSpc>
+                <a:spcPct val="115000"/>
+              </a:lnSpc>
+              <a:spcAft>
+                <a:spcPts val="4498"/>
+              </a:spcAft>
+            </a:pPr>
+            <a:r>
+              <a:rPr lang="en-ZA" sz="3200" b="1" dirty="0">
+                <a:ea typeface="Calibri"/>
+                <a:cs typeface="Times New Roman"/>
+              </a:rPr>
+              <a:t> </a:t>
+            </a:r>
+            <a:endParaRPr lang="en-ZA" sz="2400" dirty="0">
+              <a:ea typeface="Calibri"/>
+              <a:cs typeface="Times New Roman"/>
+            </a:endParaRPr>
+          </a:p>
+        </p:txBody>
+      </p:sp>
+      <p:cxnSp>
+        <p:nvCxnSpPr>
+          <p:cNvPr id="26" name="Straight Arrow Connector 25"/>
+          <p:cNvCxnSpPr/>
+          <p:nvPr/>
+        </p:nvCxnSpPr>
+        <p:spPr>
+          <a:xfrm flipV="1">
+            <a:off x="9058591" y="789023"/>
+            <a:ext cx="1128637" cy="1152128"/>
+          </a:xfrm>
+          <a:prstGeom prst="straightConnector1">
+            <a:avLst/>
+          </a:prstGeom>
+          <a:ln>
+            <a:prstDash val="sysDash"/>
+            <a:tailEnd type="arrow"/>
+          </a:ln>
+        </p:spPr>
+        <p:style>
+          <a:lnRef idx="2">
+            <a:schemeClr val="dk1"/>
+          </a:lnRef>
+          <a:fillRef idx="1">
+            <a:schemeClr val="lt1"/>
+          </a:fillRef>
+          <a:effectRef idx="0">
+            <a:schemeClr val="dk1"/>
+          </a:effectRef>
+          <a:fontRef idx="minor">
+            <a:schemeClr val="dk1"/>
+          </a:fontRef>
+        </p:style>
+      </p:cxnSp>
+      <p:sp>
+        <p:nvSpPr>
+          <p:cNvPr id="27" name="TextBox 26"/>
+          <p:cNvSpPr txBox="1"/>
+          <p:nvPr/>
+        </p:nvSpPr>
+        <p:spPr>
+          <a:xfrm>
+            <a:off x="10187228" y="58403"/>
+            <a:ext cx="2029210" cy="707886"/>
+          </a:xfrm>
+          <a:prstGeom prst="rect">
+            <a:avLst/>
+          </a:prstGeom>
+          <a:ln>
+            <a:prstDash val="sysDash"/>
+          </a:ln>
+        </p:spPr>
+        <p:style>
+          <a:lnRef idx="2">
+            <a:schemeClr val="dk1"/>
+          </a:lnRef>
+          <a:fillRef idx="1">
+            <a:schemeClr val="lt1"/>
+          </a:fillRef>
+          <a:effectRef idx="0">
+            <a:schemeClr val="dk1"/>
+          </a:effectRef>
+          <a:fontRef idx="minor">
+            <a:schemeClr val="dk1"/>
+          </a:fontRef>
+        </p:style>
+        <p:txBody>
+          <a:bodyPr wrap="none" rtlCol="0">
+            <a:spAutoFit/>
+          </a:bodyPr>
+          <a:lstStyle/>
+          <a:p>
+            <a:r>
+              <a:rPr lang="en-US" sz="4000" dirty="0" err="1" smtClean="0"/>
+              <a:t>GUIState</a:t>
+            </a:r>
+            <a:endParaRPr lang="en-ZA" sz="4000" dirty="0"/>
+          </a:p>
+        </p:txBody>
+      </p:sp>
+      <p:cxnSp>
+        <p:nvCxnSpPr>
+          <p:cNvPr id="29" name="Elbow Connector 28"/>
+          <p:cNvCxnSpPr>
+            <a:stCxn id="25" idx="2"/>
+          </p:cNvCxnSpPr>
+          <p:nvPr/>
+        </p:nvCxnSpPr>
+        <p:spPr>
+          <a:xfrm rot="5400000">
+            <a:off x="4101218" y="7390726"/>
+            <a:ext cx="2399000" cy="3424"/>
+          </a:xfrm>
+          <a:prstGeom prst="bentConnector3">
+            <a:avLst>
+              <a:gd name="adj1" fmla="val 50000"/>
+            </a:avLst>
+          </a:prstGeom>
+          <a:ln w="25400">
+            <a:solidFill>
+              <a:srgbClr val="002060"/>
+            </a:solidFill>
+            <a:tailEnd type="triangle" w="lg" len="lg"/>
+          </a:ln>
+        </p:spPr>
+        <p:style>
+          <a:lnRef idx="1">
+            <a:schemeClr val="accent1"/>
+          </a:lnRef>
+          <a:fillRef idx="0">
+            <a:schemeClr val="accent1"/>
+          </a:fillRef>
+          <a:effectRef idx="0">
+            <a:schemeClr val="accent1"/>
+          </a:effectRef>
+          <a:fontRef idx="minor">
+            <a:schemeClr val="tx1"/>
+          </a:fontRef>
+        </p:style>
+      </p:cxnSp>
+      <p:sp>
+        <p:nvSpPr>
+          <p:cNvPr id="33" name="TextBox 32"/>
+          <p:cNvSpPr txBox="1"/>
+          <p:nvPr/>
+        </p:nvSpPr>
+        <p:spPr>
+          <a:xfrm>
+            <a:off x="5376207" y="7130828"/>
+            <a:ext cx="367408" cy="523220"/>
+          </a:xfrm>
+          <a:prstGeom prst="rect">
+            <a:avLst/>
+          </a:prstGeom>
+          <a:noFill/>
+        </p:spPr>
+        <p:txBody>
+          <a:bodyPr wrap="none" rtlCol="0">
+            <a:spAutoFit/>
+          </a:bodyPr>
+          <a:lstStyle/>
+          <a:p>
+            <a:r>
+              <a:rPr lang="en-US" sz="2800" dirty="0" smtClean="0"/>
+              <a:t>1</a:t>
+            </a:r>
+            <a:endParaRPr lang="en-ZA" sz="2800" dirty="0"/>
+          </a:p>
+        </p:txBody>
+      </p:sp>
     </p:spTree>
     <p:extLst>
       <p:ext uri="{BB962C8B-B14F-4D97-AF65-F5344CB8AC3E}">
         <p14:creationId xmlns:p14="http://schemas.microsoft.com/office/powerpoint/2010/main" val="1641222910"/>
+      </p:ext>
+    </p:extLst>
+  </p:cSld>
+  <p:clrMapOvr>
+    <a:masterClrMapping/>
+  </p:clrMapOvr>
+</p:sld>
+</file>
+
+<file path=ppt/slides/slide2.xml><?xml version="1.0" encoding="utf-8"?>
+<p:sld xmlns:a="http://schemas.openxmlformats.org/drawingml/2006/main" xmlns:r="http://schemas.openxmlformats.org/officeDocument/2006/relationships" xmlns:p="http://schemas.openxmlformats.org/presentationml/2006/main">
+  <p:cSld>
+    <p:spTree>
+      <p:nvGrpSpPr>
+        <p:cNvPr id="1" name=""/>
+        <p:cNvGrpSpPr/>
+        <p:nvPr/>
+      </p:nvGrpSpPr>
+      <p:grpSpPr>
+        <a:xfrm>
+          <a:off x="0" y="0"/>
+          <a:ext cx="0" cy="0"/>
+          <a:chOff x="0" y="0"/>
+          <a:chExt cx="0" cy="0"/>
+        </a:xfrm>
+      </p:grpSpPr>
+      <p:sp>
+        <p:nvSpPr>
+          <p:cNvPr id="2" name="Rectangle 1"/>
+          <p:cNvSpPr/>
+          <p:nvPr/>
+        </p:nvSpPr>
+        <p:spPr>
+          <a:xfrm>
+            <a:off x="25923130" y="3298528"/>
+            <a:ext cx="5616624" cy="11737304"/>
+          </a:xfrm>
+          <a:prstGeom prst="rect">
+            <a:avLst/>
+          </a:prstGeom>
+        </p:spPr>
+        <p:style>
+          <a:lnRef idx="2">
+            <a:schemeClr val="dk1"/>
+          </a:lnRef>
+          <a:fillRef idx="1">
+            <a:schemeClr val="lt1"/>
+          </a:fillRef>
+          <a:effectRef idx="0">
+            <a:schemeClr val="dk1"/>
+          </a:effectRef>
+          <a:fontRef idx="minor">
+            <a:schemeClr val="dk1"/>
+          </a:fontRef>
+        </p:style>
+        <p:txBody>
+          <a:bodyPr rot="0" spcFirstLastPara="0" vert="horz" wrap="square" lIns="411387" tIns="205693" rIns="411387" bIns="205693" numCol="1" spcCol="0" rtlCol="0" fromWordArt="0" anchor="t" anchorCtr="0" forceAA="0" compatLnSpc="1">
+            <a:prstTxWarp prst="textNoShape">
+              <a:avLst/>
+            </a:prstTxWarp>
+            <a:noAutofit/>
+          </a:bodyPr>
+          <a:lstStyle/>
+          <a:p>
+            <a:pPr>
+              <a:lnSpc>
+                <a:spcPct val="115000"/>
+              </a:lnSpc>
+              <a:spcAft>
+                <a:spcPts val="4498"/>
+              </a:spcAft>
+            </a:pPr>
+            <a:r>
+              <a:rPr lang="en-ZA" sz="3200" dirty="0">
+                <a:ea typeface="Calibri"/>
+                <a:cs typeface="Times New Roman"/>
+              </a:rPr>
+              <a:t>Agent</a:t>
+            </a:r>
+            <a:endParaRPr lang="en-ZA" sz="2400" dirty="0">
+              <a:ea typeface="Calibri"/>
+              <a:cs typeface="Times New Roman"/>
+            </a:endParaRPr>
+          </a:p>
+          <a:p>
+            <a:pPr marL="1542712" indent="-1542712">
+              <a:lnSpc>
+                <a:spcPct val="115000"/>
+              </a:lnSpc>
+              <a:buFont typeface="Symbol"/>
+              <a:buChar char=""/>
+            </a:pPr>
+            <a:r>
+              <a:rPr lang="en-ZA" sz="2400" dirty="0" err="1">
+                <a:ea typeface="Calibri"/>
+                <a:cs typeface="Times New Roman"/>
+              </a:rPr>
+              <a:t>int</a:t>
+            </a:r>
+            <a:r>
+              <a:rPr lang="en-ZA" sz="2400" dirty="0">
+                <a:ea typeface="Calibri"/>
+                <a:cs typeface="Times New Roman"/>
+              </a:rPr>
+              <a:t> DNP</a:t>
+            </a:r>
+          </a:p>
+          <a:p>
+            <a:pPr marL="1542712" indent="-1542712">
+              <a:lnSpc>
+                <a:spcPct val="115000"/>
+              </a:lnSpc>
+              <a:buFont typeface="Symbol"/>
+              <a:buChar char=""/>
+            </a:pPr>
+            <a:r>
+              <a:rPr lang="en-ZA" sz="2400" dirty="0" err="1">
+                <a:ea typeface="Calibri"/>
+                <a:cs typeface="Times New Roman"/>
+              </a:rPr>
+              <a:t>boolean</a:t>
+            </a:r>
+            <a:r>
+              <a:rPr lang="en-ZA" sz="2400" dirty="0">
+                <a:ea typeface="Calibri"/>
+                <a:cs typeface="Times New Roman"/>
+              </a:rPr>
+              <a:t> male</a:t>
+            </a:r>
+          </a:p>
+          <a:p>
+            <a:pPr marL="1542712" indent="-1542712">
+              <a:lnSpc>
+                <a:spcPct val="115000"/>
+              </a:lnSpc>
+              <a:buFont typeface="Symbol"/>
+              <a:buChar char=""/>
+            </a:pPr>
+            <a:r>
+              <a:rPr lang="en-ZA" sz="2400" dirty="0">
+                <a:ea typeface="Calibri"/>
+                <a:cs typeface="Times New Roman"/>
+              </a:rPr>
+              <a:t>double age</a:t>
+            </a:r>
+          </a:p>
+          <a:p>
+            <a:pPr marL="1542712" indent="-1542712">
+              <a:lnSpc>
+                <a:spcPct val="115000"/>
+              </a:lnSpc>
+              <a:buFont typeface="Symbol"/>
+              <a:buChar char=""/>
+            </a:pPr>
+            <a:r>
+              <a:rPr lang="en-ZA" sz="2400" dirty="0" err="1">
+                <a:ea typeface="Calibri"/>
+                <a:cs typeface="Times New Roman"/>
+              </a:rPr>
+              <a:t>int</a:t>
+            </a:r>
+            <a:r>
+              <a:rPr lang="en-ZA" sz="2400" dirty="0">
+                <a:ea typeface="Calibri"/>
+                <a:cs typeface="Times New Roman"/>
+              </a:rPr>
+              <a:t> partners = 0</a:t>
+            </a:r>
+          </a:p>
+          <a:p>
+            <a:pPr marL="1542712" indent="-1542712">
+              <a:lnSpc>
+                <a:spcPct val="115000"/>
+              </a:lnSpc>
+              <a:buFont typeface="Symbol"/>
+              <a:buChar char=""/>
+            </a:pPr>
+            <a:r>
+              <a:rPr lang="en-ZA" sz="2400" dirty="0" err="1">
+                <a:ea typeface="Calibri"/>
+                <a:cs typeface="Times New Roman"/>
+              </a:rPr>
+              <a:t>int</a:t>
+            </a:r>
+            <a:r>
+              <a:rPr lang="en-ZA" sz="2400" dirty="0">
+                <a:ea typeface="Calibri"/>
+                <a:cs typeface="Times New Roman"/>
+              </a:rPr>
+              <a:t> </a:t>
+            </a:r>
+            <a:r>
+              <a:rPr lang="en-ZA" sz="2400" dirty="0" err="1">
+                <a:ea typeface="Calibri"/>
+                <a:cs typeface="Times New Roman"/>
+              </a:rPr>
+              <a:t>weeksInfected</a:t>
+            </a:r>
+            <a:r>
+              <a:rPr lang="en-ZA" sz="2400" dirty="0">
+                <a:ea typeface="Calibri"/>
+                <a:cs typeface="Times New Roman"/>
+              </a:rPr>
+              <a:t> = 0</a:t>
+            </a:r>
+          </a:p>
+          <a:p>
+            <a:pPr marL="1542712" indent="-1542712">
+              <a:lnSpc>
+                <a:spcPct val="115000"/>
+              </a:lnSpc>
+              <a:buFont typeface="Symbol"/>
+              <a:buChar char=""/>
+            </a:pPr>
+            <a:r>
+              <a:rPr lang="en-ZA" sz="2400" dirty="0">
+                <a:ea typeface="Calibri"/>
+                <a:cs typeface="Times New Roman"/>
+              </a:rPr>
+              <a:t>Agent infector</a:t>
+            </a:r>
+          </a:p>
+          <a:p>
+            <a:pPr marL="1542712" indent="-1542712">
+              <a:lnSpc>
+                <a:spcPct val="115000"/>
+              </a:lnSpc>
+              <a:spcAft>
+                <a:spcPts val="4498"/>
+              </a:spcAft>
+              <a:buFont typeface="Symbol"/>
+              <a:buChar char=""/>
+            </a:pPr>
+            <a:r>
+              <a:rPr lang="en-ZA" sz="2400" dirty="0">
+                <a:ea typeface="Calibri"/>
+                <a:cs typeface="Times New Roman"/>
+              </a:rPr>
+              <a:t>Stoppable </a:t>
+            </a:r>
+            <a:r>
+              <a:rPr lang="en-ZA" sz="2400" dirty="0" err="1">
+                <a:ea typeface="Calibri"/>
+                <a:cs typeface="Times New Roman"/>
+              </a:rPr>
+              <a:t>stoppable</a:t>
+            </a:r>
+            <a:endParaRPr lang="en-ZA" sz="2400" dirty="0">
+              <a:ea typeface="Calibri"/>
+              <a:cs typeface="Times New Roman"/>
+            </a:endParaRPr>
+          </a:p>
+          <a:p>
+            <a:pPr>
+              <a:lnSpc>
+                <a:spcPct val="115000"/>
+              </a:lnSpc>
+              <a:spcAft>
+                <a:spcPts val="4498"/>
+              </a:spcAft>
+            </a:pPr>
+            <a:r>
+              <a:rPr lang="en-ZA" sz="2400" u="sng" dirty="0">
+                <a:ea typeface="Calibri"/>
+                <a:cs typeface="Times New Roman"/>
+              </a:rPr>
+              <a:t>Methods:</a:t>
+            </a:r>
+            <a:endParaRPr lang="en-ZA" sz="2400" dirty="0">
+              <a:ea typeface="Calibri"/>
+              <a:cs typeface="Times New Roman"/>
+            </a:endParaRPr>
+          </a:p>
+          <a:p>
+            <a:pPr>
+              <a:lnSpc>
+                <a:spcPct val="115000"/>
+              </a:lnSpc>
+              <a:spcAft>
+                <a:spcPts val="4498"/>
+              </a:spcAft>
+            </a:pPr>
+            <a:r>
+              <a:rPr lang="en-ZA" sz="2400" dirty="0">
+                <a:ea typeface="Calibri"/>
+                <a:cs typeface="Times New Roman"/>
+              </a:rPr>
+              <a:t>void </a:t>
+            </a:r>
+            <a:r>
+              <a:rPr lang="en-ZA" sz="2400">
+                <a:ea typeface="Calibri"/>
+                <a:cs typeface="Times New Roman"/>
+              </a:rPr>
+              <a:t>step</a:t>
+            </a:r>
+            <a:r>
+              <a:rPr lang="en-ZA" sz="2400" smtClean="0">
+                <a:ea typeface="Calibri"/>
+                <a:cs typeface="Times New Roman"/>
+              </a:rPr>
+              <a:t>( SimState</a:t>
+            </a:r>
+            <a:r>
+              <a:rPr lang="en-ZA" sz="2400" dirty="0" smtClean="0">
+                <a:ea typeface="Calibri"/>
+                <a:cs typeface="Times New Roman"/>
+              </a:rPr>
+              <a:t> </a:t>
+            </a:r>
+            <a:r>
+              <a:rPr lang="en-ZA" sz="2400" dirty="0">
+                <a:ea typeface="Calibri"/>
+                <a:cs typeface="Times New Roman"/>
+              </a:rPr>
+              <a:t>)</a:t>
+            </a:r>
+          </a:p>
+          <a:p>
+            <a:pPr>
+              <a:lnSpc>
+                <a:spcPct val="115000"/>
+              </a:lnSpc>
+              <a:spcAft>
+                <a:spcPts val="4498"/>
+              </a:spcAft>
+            </a:pPr>
+            <a:r>
+              <a:rPr lang="en-ZA" sz="2400" u="sng" dirty="0" err="1">
+                <a:ea typeface="Calibri"/>
+                <a:cs typeface="Times New Roman"/>
+              </a:rPr>
+              <a:t>Overridable</a:t>
+            </a:r>
+            <a:r>
+              <a:rPr lang="en-ZA" sz="2400" u="sng" dirty="0">
+                <a:ea typeface="Calibri"/>
+                <a:cs typeface="Times New Roman"/>
+              </a:rPr>
+              <a:t> Methods:</a:t>
+            </a:r>
+            <a:endParaRPr lang="en-ZA" sz="2400" dirty="0">
+              <a:ea typeface="Calibri"/>
+              <a:cs typeface="Times New Roman"/>
+            </a:endParaRPr>
+          </a:p>
+          <a:p>
+            <a:pPr>
+              <a:lnSpc>
+                <a:spcPct val="115000"/>
+              </a:lnSpc>
+              <a:spcAft>
+                <a:spcPts val="4498"/>
+              </a:spcAft>
+            </a:pPr>
+            <a:r>
+              <a:rPr lang="en-ZA" sz="2400" dirty="0">
+                <a:ea typeface="Calibri"/>
+                <a:cs typeface="Times New Roman"/>
+              </a:rPr>
+              <a:t>Boolean </a:t>
+            </a:r>
+            <a:r>
+              <a:rPr lang="en-ZA" sz="2400" dirty="0" err="1">
+                <a:ea typeface="Calibri"/>
+                <a:cs typeface="Times New Roman"/>
+              </a:rPr>
+              <a:t>isDesirable</a:t>
+            </a:r>
+            <a:r>
+              <a:rPr lang="en-ZA" sz="2400" dirty="0">
+                <a:ea typeface="Calibri"/>
+                <a:cs typeface="Times New Roman"/>
+              </a:rPr>
+              <a:t>( Agent )</a:t>
+            </a:r>
+          </a:p>
+          <a:p>
+            <a:pPr>
+              <a:lnSpc>
+                <a:spcPct val="115000"/>
+              </a:lnSpc>
+              <a:spcAft>
+                <a:spcPts val="4498"/>
+              </a:spcAft>
+            </a:pPr>
+            <a:r>
+              <a:rPr lang="en-ZA" sz="2400" dirty="0">
+                <a:ea typeface="Calibri"/>
+                <a:cs typeface="Times New Roman"/>
+              </a:rPr>
+              <a:t>Boolean </a:t>
+            </a:r>
+            <a:r>
+              <a:rPr lang="en-ZA" sz="2400" dirty="0" err="1">
+                <a:ea typeface="Calibri"/>
+                <a:cs typeface="Times New Roman"/>
+              </a:rPr>
+              <a:t>isLooking</a:t>
+            </a:r>
+            <a:r>
+              <a:rPr lang="en-ZA" sz="2400" dirty="0">
+                <a:ea typeface="Calibri"/>
+                <a:cs typeface="Times New Roman"/>
+              </a:rPr>
+              <a:t>()</a:t>
+            </a:r>
+          </a:p>
+          <a:p>
+            <a:pPr>
+              <a:lnSpc>
+                <a:spcPct val="115000"/>
+              </a:lnSpc>
+              <a:spcAft>
+                <a:spcPts val="4498"/>
+              </a:spcAft>
+            </a:pPr>
+            <a:r>
+              <a:rPr lang="en-ZA" sz="2400" dirty="0" err="1">
+                <a:ea typeface="Calibri"/>
+                <a:cs typeface="Times New Roman"/>
+              </a:rPr>
+              <a:t>boolean</a:t>
+            </a:r>
+            <a:r>
+              <a:rPr lang="en-ZA" sz="2400" dirty="0">
+                <a:ea typeface="Calibri"/>
+                <a:cs typeface="Times New Roman"/>
+              </a:rPr>
+              <a:t> </a:t>
+            </a:r>
+            <a:r>
+              <a:rPr lang="en-ZA" sz="2400" dirty="0" err="1">
+                <a:ea typeface="Calibri"/>
+                <a:cs typeface="Times New Roman"/>
+              </a:rPr>
+              <a:t>isLookingFor</a:t>
+            </a:r>
+            <a:r>
+              <a:rPr lang="en-ZA" sz="2400" dirty="0">
+                <a:ea typeface="Calibri"/>
+                <a:cs typeface="Times New Roman"/>
+              </a:rPr>
+              <a:t>( Agent )</a:t>
+            </a:r>
+          </a:p>
+          <a:p>
+            <a:pPr>
+              <a:lnSpc>
+                <a:spcPct val="115000"/>
+              </a:lnSpc>
+              <a:spcAft>
+                <a:spcPts val="4498"/>
+              </a:spcAft>
+            </a:pPr>
+            <a:r>
+              <a:rPr lang="en-ZA" sz="2400" dirty="0">
+                <a:ea typeface="Calibri"/>
+                <a:cs typeface="Times New Roman"/>
+              </a:rPr>
+              <a:t>String </a:t>
+            </a:r>
+            <a:r>
+              <a:rPr lang="en-ZA" sz="2400" dirty="0" err="1">
+                <a:ea typeface="Calibri"/>
+                <a:cs typeface="Times New Roman"/>
+              </a:rPr>
+              <a:t>toString</a:t>
+            </a:r>
+            <a:r>
+              <a:rPr lang="en-ZA" sz="2400" dirty="0">
+                <a:ea typeface="Calibri"/>
+                <a:cs typeface="Times New Roman"/>
+              </a:rPr>
+              <a:t>()</a:t>
+            </a:r>
+            <a:r>
+              <a:rPr lang="en-ZA" sz="3200" b="1" dirty="0">
+                <a:ea typeface="Calibri"/>
+                <a:cs typeface="Times New Roman"/>
+              </a:rPr>
+              <a:t> </a:t>
+            </a:r>
+            <a:endParaRPr lang="en-ZA" sz="2400" dirty="0">
+              <a:ea typeface="Calibri"/>
+              <a:cs typeface="Times New Roman"/>
+            </a:endParaRPr>
+          </a:p>
+        </p:txBody>
+      </p:sp>
+      <p:cxnSp>
+        <p:nvCxnSpPr>
+          <p:cNvPr id="3" name="Straight Arrow Connector 2"/>
+          <p:cNvCxnSpPr/>
+          <p:nvPr/>
+        </p:nvCxnSpPr>
+        <p:spPr>
+          <a:xfrm flipV="1">
+            <a:off x="31539754" y="2146400"/>
+            <a:ext cx="1128637" cy="1152128"/>
+          </a:xfrm>
+          <a:prstGeom prst="straightConnector1">
+            <a:avLst/>
+          </a:prstGeom>
+          <a:ln>
+            <a:prstDash val="sysDash"/>
+            <a:tailEnd type="arrow"/>
+          </a:ln>
+        </p:spPr>
+        <p:style>
+          <a:lnRef idx="2">
+            <a:schemeClr val="dk1"/>
+          </a:lnRef>
+          <a:fillRef idx="1">
+            <a:schemeClr val="lt1"/>
+          </a:fillRef>
+          <a:effectRef idx="0">
+            <a:schemeClr val="dk1"/>
+          </a:effectRef>
+          <a:fontRef idx="minor">
+            <a:schemeClr val="dk1"/>
+          </a:fontRef>
+        </p:style>
+      </p:cxnSp>
+      <p:sp>
+        <p:nvSpPr>
+          <p:cNvPr id="4" name="TextBox 3"/>
+          <p:cNvSpPr txBox="1"/>
+          <p:nvPr/>
+        </p:nvSpPr>
+        <p:spPr>
+          <a:xfrm>
+            <a:off x="32668391" y="1415780"/>
+            <a:ext cx="2266261" cy="707886"/>
+          </a:xfrm>
+          <a:prstGeom prst="rect">
+            <a:avLst/>
+          </a:prstGeom>
+          <a:ln>
+            <a:prstDash val="sysDash"/>
+          </a:ln>
+        </p:spPr>
+        <p:style>
+          <a:lnRef idx="2">
+            <a:schemeClr val="dk1"/>
+          </a:lnRef>
+          <a:fillRef idx="1">
+            <a:schemeClr val="lt1"/>
+          </a:fillRef>
+          <a:effectRef idx="0">
+            <a:schemeClr val="dk1"/>
+          </a:effectRef>
+          <a:fontRef idx="minor">
+            <a:schemeClr val="dk1"/>
+          </a:fontRef>
+        </p:style>
+        <p:txBody>
+          <a:bodyPr wrap="none" rtlCol="0">
+            <a:spAutoFit/>
+          </a:bodyPr>
+          <a:lstStyle/>
+          <a:p>
+            <a:r>
+              <a:rPr lang="en-US" sz="4000" dirty="0" err="1" smtClean="0"/>
+              <a:t>Steppable</a:t>
+            </a:r>
+            <a:endParaRPr lang="en-ZA" sz="4000" dirty="0"/>
+          </a:p>
+        </p:txBody>
+      </p:sp>
+      <p:sp>
+        <p:nvSpPr>
+          <p:cNvPr id="5" name="Rectangle 4"/>
+          <p:cNvSpPr/>
+          <p:nvPr/>
+        </p:nvSpPr>
+        <p:spPr>
+          <a:xfrm>
+            <a:off x="4572936" y="18866346"/>
+            <a:ext cx="5616624" cy="11737304"/>
+          </a:xfrm>
+          <a:prstGeom prst="rect">
+            <a:avLst/>
+          </a:prstGeom>
+        </p:spPr>
+        <p:style>
+          <a:lnRef idx="2">
+            <a:schemeClr val="dk1"/>
+          </a:lnRef>
+          <a:fillRef idx="1">
+            <a:schemeClr val="lt1"/>
+          </a:fillRef>
+          <a:effectRef idx="0">
+            <a:schemeClr val="dk1"/>
+          </a:effectRef>
+          <a:fontRef idx="minor">
+            <a:schemeClr val="dk1"/>
+          </a:fontRef>
+        </p:style>
+        <p:txBody>
+          <a:bodyPr rot="0" spcFirstLastPara="0" vert="horz" wrap="square" lIns="411387" tIns="205693" rIns="411387" bIns="205693" numCol="1" spcCol="0" rtlCol="0" fromWordArt="0" anchor="t" anchorCtr="0" forceAA="0" compatLnSpc="1">
+            <a:prstTxWarp prst="textNoShape">
+              <a:avLst/>
+            </a:prstTxWarp>
+            <a:noAutofit/>
+          </a:bodyPr>
+          <a:lstStyle/>
+          <a:p>
+            <a:pPr>
+              <a:lnSpc>
+                <a:spcPct val="115000"/>
+              </a:lnSpc>
+              <a:spcAft>
+                <a:spcPts val="4498"/>
+              </a:spcAft>
+            </a:pPr>
+            <a:r>
+              <a:rPr lang="en-ZA" sz="3200" dirty="0" err="1" smtClean="0">
+                <a:ea typeface="Calibri"/>
+                <a:cs typeface="Times New Roman"/>
+              </a:rPr>
+              <a:t>MSMAgent</a:t>
+            </a:r>
+            <a:endParaRPr lang="en-ZA" sz="2400" dirty="0">
+              <a:ea typeface="Calibri"/>
+              <a:cs typeface="Times New Roman"/>
+            </a:endParaRPr>
+          </a:p>
+          <a:p>
+            <a:pPr marL="1542712" indent="-1542712">
+              <a:lnSpc>
+                <a:spcPct val="115000"/>
+              </a:lnSpc>
+              <a:buFont typeface="Symbol"/>
+              <a:buChar char=""/>
+            </a:pPr>
+            <a:r>
+              <a:rPr lang="en-ZA" sz="2400" dirty="0" smtClean="0">
+                <a:ea typeface="Calibri"/>
+                <a:cs typeface="Times New Roman"/>
+              </a:rPr>
+              <a:t> </a:t>
+            </a:r>
+            <a:endParaRPr lang="en-ZA" sz="2400" dirty="0">
+              <a:ea typeface="Calibri"/>
+              <a:cs typeface="Times New Roman"/>
+            </a:endParaRPr>
+          </a:p>
+          <a:p>
+            <a:pPr>
+              <a:lnSpc>
+                <a:spcPct val="115000"/>
+              </a:lnSpc>
+              <a:spcAft>
+                <a:spcPts val="4498"/>
+              </a:spcAft>
+            </a:pPr>
+            <a:r>
+              <a:rPr lang="en-ZA" sz="2400" u="sng" dirty="0">
+                <a:ea typeface="Calibri"/>
+                <a:cs typeface="Times New Roman"/>
+              </a:rPr>
+              <a:t>Methods:</a:t>
+            </a:r>
+            <a:endParaRPr lang="en-ZA" sz="2400" dirty="0">
+              <a:ea typeface="Calibri"/>
+              <a:cs typeface="Times New Roman"/>
+            </a:endParaRPr>
+          </a:p>
+          <a:p>
+            <a:pPr>
+              <a:lnSpc>
+                <a:spcPct val="115000"/>
+              </a:lnSpc>
+              <a:spcAft>
+                <a:spcPts val="4498"/>
+              </a:spcAft>
+            </a:pPr>
+            <a:r>
+              <a:rPr lang="en-ZA" sz="2400" dirty="0" smtClean="0">
+                <a:ea typeface="Calibri"/>
+                <a:cs typeface="Times New Roman"/>
+              </a:rPr>
+              <a:t> </a:t>
+            </a:r>
+            <a:endParaRPr lang="en-ZA" sz="2400" dirty="0">
+              <a:ea typeface="Calibri"/>
+              <a:cs typeface="Times New Roman"/>
+            </a:endParaRPr>
+          </a:p>
+          <a:p>
+            <a:pPr>
+              <a:lnSpc>
+                <a:spcPct val="115000"/>
+              </a:lnSpc>
+              <a:spcAft>
+                <a:spcPts val="4498"/>
+              </a:spcAft>
+            </a:pPr>
+            <a:r>
+              <a:rPr lang="en-ZA" sz="2400" u="sng" dirty="0" err="1">
+                <a:ea typeface="Calibri"/>
+                <a:cs typeface="Times New Roman"/>
+              </a:rPr>
+              <a:t>Overridable</a:t>
+            </a:r>
+            <a:r>
+              <a:rPr lang="en-ZA" sz="2400" u="sng" dirty="0">
+                <a:ea typeface="Calibri"/>
+                <a:cs typeface="Times New Roman"/>
+              </a:rPr>
+              <a:t> Methods:</a:t>
+            </a:r>
+            <a:endParaRPr lang="en-ZA" sz="2400" dirty="0">
+              <a:ea typeface="Calibri"/>
+              <a:cs typeface="Times New Roman"/>
+            </a:endParaRPr>
+          </a:p>
+          <a:p>
+            <a:pPr>
+              <a:lnSpc>
+                <a:spcPct val="115000"/>
+              </a:lnSpc>
+              <a:spcAft>
+                <a:spcPts val="4498"/>
+              </a:spcAft>
+            </a:pPr>
+            <a:r>
+              <a:rPr lang="en-ZA" sz="2400" dirty="0">
+                <a:ea typeface="Calibri"/>
+                <a:cs typeface="Times New Roman"/>
+              </a:rPr>
+              <a:t>Boolean </a:t>
+            </a:r>
+            <a:r>
+              <a:rPr lang="en-ZA" sz="2400" dirty="0" err="1">
+                <a:ea typeface="Calibri"/>
+                <a:cs typeface="Times New Roman"/>
+              </a:rPr>
+              <a:t>isDesirable</a:t>
+            </a:r>
+            <a:r>
+              <a:rPr lang="en-ZA" sz="2400" dirty="0">
+                <a:ea typeface="Calibri"/>
+                <a:cs typeface="Times New Roman"/>
+              </a:rPr>
+              <a:t>( Agent )</a:t>
+            </a:r>
+          </a:p>
+          <a:p>
+            <a:pPr>
+              <a:lnSpc>
+                <a:spcPct val="115000"/>
+              </a:lnSpc>
+              <a:spcAft>
+                <a:spcPts val="4498"/>
+              </a:spcAft>
+            </a:pPr>
+            <a:r>
+              <a:rPr lang="en-ZA" sz="2400" dirty="0">
+                <a:ea typeface="Calibri"/>
+                <a:cs typeface="Times New Roman"/>
+              </a:rPr>
+              <a:t>Boolean </a:t>
+            </a:r>
+            <a:r>
+              <a:rPr lang="en-ZA" sz="2400" dirty="0" err="1">
+                <a:ea typeface="Calibri"/>
+                <a:cs typeface="Times New Roman"/>
+              </a:rPr>
+              <a:t>isLooking</a:t>
+            </a:r>
+            <a:r>
+              <a:rPr lang="en-ZA" sz="2400" dirty="0">
+                <a:ea typeface="Calibri"/>
+                <a:cs typeface="Times New Roman"/>
+              </a:rPr>
+              <a:t>()</a:t>
+            </a:r>
+          </a:p>
+          <a:p>
+            <a:pPr>
+              <a:lnSpc>
+                <a:spcPct val="115000"/>
+              </a:lnSpc>
+              <a:spcAft>
+                <a:spcPts val="4498"/>
+              </a:spcAft>
+            </a:pPr>
+            <a:r>
+              <a:rPr lang="en-ZA" sz="2400" dirty="0" err="1">
+                <a:ea typeface="Calibri"/>
+                <a:cs typeface="Times New Roman"/>
+              </a:rPr>
+              <a:t>boolean</a:t>
+            </a:r>
+            <a:r>
+              <a:rPr lang="en-ZA" sz="2400" dirty="0">
+                <a:ea typeface="Calibri"/>
+                <a:cs typeface="Times New Roman"/>
+              </a:rPr>
+              <a:t> </a:t>
+            </a:r>
+            <a:r>
+              <a:rPr lang="en-ZA" sz="2400" dirty="0" err="1">
+                <a:ea typeface="Calibri"/>
+                <a:cs typeface="Times New Roman"/>
+              </a:rPr>
+              <a:t>isLookingFor</a:t>
+            </a:r>
+            <a:r>
+              <a:rPr lang="en-ZA" sz="2400" dirty="0">
+                <a:ea typeface="Calibri"/>
+                <a:cs typeface="Times New Roman"/>
+              </a:rPr>
+              <a:t>( Agent )</a:t>
+            </a:r>
+          </a:p>
+          <a:p>
+            <a:pPr>
+              <a:lnSpc>
+                <a:spcPct val="115000"/>
+              </a:lnSpc>
+              <a:spcAft>
+                <a:spcPts val="4498"/>
+              </a:spcAft>
+            </a:pPr>
+            <a:r>
+              <a:rPr lang="en-ZA" sz="2400" dirty="0">
+                <a:ea typeface="Calibri"/>
+                <a:cs typeface="Times New Roman"/>
+              </a:rPr>
+              <a:t>String </a:t>
+            </a:r>
+            <a:r>
+              <a:rPr lang="en-ZA" sz="2400" dirty="0" err="1">
+                <a:ea typeface="Calibri"/>
+                <a:cs typeface="Times New Roman"/>
+              </a:rPr>
+              <a:t>toString</a:t>
+            </a:r>
+            <a:r>
+              <a:rPr lang="en-ZA" sz="2400" dirty="0">
+                <a:ea typeface="Calibri"/>
+                <a:cs typeface="Times New Roman"/>
+              </a:rPr>
+              <a:t>()</a:t>
+            </a:r>
+            <a:r>
+              <a:rPr lang="en-ZA" sz="3200" b="1" dirty="0">
+                <a:ea typeface="Calibri"/>
+                <a:cs typeface="Times New Roman"/>
+              </a:rPr>
+              <a:t> </a:t>
+            </a:r>
+            <a:endParaRPr lang="en-ZA" sz="2400" dirty="0">
+              <a:ea typeface="Calibri"/>
+              <a:cs typeface="Times New Roman"/>
+            </a:endParaRPr>
+          </a:p>
+        </p:txBody>
+      </p:sp>
+      <p:cxnSp>
+        <p:nvCxnSpPr>
+          <p:cNvPr id="6" name="Straight Arrow Connector 5"/>
+          <p:cNvCxnSpPr/>
+          <p:nvPr/>
+        </p:nvCxnSpPr>
+        <p:spPr>
+          <a:xfrm flipV="1">
+            <a:off x="10189560" y="15035832"/>
+            <a:ext cx="15733570" cy="3830514"/>
+          </a:xfrm>
+          <a:prstGeom prst="straightConnector1">
+            <a:avLst/>
+          </a:prstGeom>
+          <a:ln>
+            <a:prstDash val="sysDash"/>
+            <a:tailEnd type="arrow"/>
+          </a:ln>
+        </p:spPr>
+        <p:style>
+          <a:lnRef idx="2">
+            <a:schemeClr val="dk1"/>
+          </a:lnRef>
+          <a:fillRef idx="1">
+            <a:schemeClr val="lt1"/>
+          </a:fillRef>
+          <a:effectRef idx="0">
+            <a:schemeClr val="dk1"/>
+          </a:effectRef>
+          <a:fontRef idx="minor">
+            <a:schemeClr val="dk1"/>
+          </a:fontRef>
+        </p:style>
+      </p:cxnSp>
+      <p:sp>
+        <p:nvSpPr>
+          <p:cNvPr id="14" name="Rectangle 13"/>
+          <p:cNvSpPr/>
+          <p:nvPr/>
+        </p:nvSpPr>
+        <p:spPr>
+          <a:xfrm>
+            <a:off x="13797494" y="18861732"/>
+            <a:ext cx="5616624" cy="11737304"/>
+          </a:xfrm>
+          <a:prstGeom prst="rect">
+            <a:avLst/>
+          </a:prstGeom>
+        </p:spPr>
+        <p:style>
+          <a:lnRef idx="2">
+            <a:schemeClr val="dk1"/>
+          </a:lnRef>
+          <a:fillRef idx="1">
+            <a:schemeClr val="lt1"/>
+          </a:fillRef>
+          <a:effectRef idx="0">
+            <a:schemeClr val="dk1"/>
+          </a:effectRef>
+          <a:fontRef idx="minor">
+            <a:schemeClr val="dk1"/>
+          </a:fontRef>
+        </p:style>
+        <p:txBody>
+          <a:bodyPr rot="0" spcFirstLastPara="0" vert="horz" wrap="square" lIns="411387" tIns="205693" rIns="411387" bIns="205693" numCol="1" spcCol="0" rtlCol="0" fromWordArt="0" anchor="t" anchorCtr="0" forceAA="0" compatLnSpc="1">
+            <a:prstTxWarp prst="textNoShape">
+              <a:avLst/>
+            </a:prstTxWarp>
+            <a:noAutofit/>
+          </a:bodyPr>
+          <a:lstStyle/>
+          <a:p>
+            <a:pPr>
+              <a:lnSpc>
+                <a:spcPct val="115000"/>
+              </a:lnSpc>
+              <a:spcAft>
+                <a:spcPts val="4498"/>
+              </a:spcAft>
+            </a:pPr>
+            <a:r>
+              <a:rPr lang="en-ZA" sz="3200" dirty="0" err="1" smtClean="0">
+                <a:ea typeface="Calibri"/>
+                <a:cs typeface="Times New Roman"/>
+              </a:rPr>
+              <a:t>AgeAgent</a:t>
+            </a:r>
+            <a:endParaRPr lang="en-ZA" sz="2400" dirty="0">
+              <a:ea typeface="Calibri"/>
+              <a:cs typeface="Times New Roman"/>
+            </a:endParaRPr>
+          </a:p>
+          <a:p>
+            <a:pPr marL="1542712" indent="-1542712">
+              <a:lnSpc>
+                <a:spcPct val="115000"/>
+              </a:lnSpc>
+              <a:buFont typeface="Symbol"/>
+              <a:buChar char=""/>
+            </a:pPr>
+            <a:r>
+              <a:rPr lang="en-ZA" sz="2400" dirty="0" smtClean="0">
+                <a:ea typeface="Calibri"/>
+                <a:cs typeface="Times New Roman"/>
+              </a:rPr>
+              <a:t> </a:t>
+            </a:r>
+            <a:endParaRPr lang="en-ZA" sz="2400" dirty="0">
+              <a:ea typeface="Calibri"/>
+              <a:cs typeface="Times New Roman"/>
+            </a:endParaRPr>
+          </a:p>
+          <a:p>
+            <a:pPr>
+              <a:lnSpc>
+                <a:spcPct val="115000"/>
+              </a:lnSpc>
+              <a:spcAft>
+                <a:spcPts val="4498"/>
+              </a:spcAft>
+            </a:pPr>
+            <a:r>
+              <a:rPr lang="en-ZA" sz="2400" u="sng" dirty="0">
+                <a:ea typeface="Calibri"/>
+                <a:cs typeface="Times New Roman"/>
+              </a:rPr>
+              <a:t>Methods:</a:t>
+            </a:r>
+            <a:endParaRPr lang="en-ZA" sz="2400" dirty="0">
+              <a:ea typeface="Calibri"/>
+              <a:cs typeface="Times New Roman"/>
+            </a:endParaRPr>
+          </a:p>
+          <a:p>
+            <a:pPr>
+              <a:lnSpc>
+                <a:spcPct val="115000"/>
+              </a:lnSpc>
+              <a:spcAft>
+                <a:spcPts val="4498"/>
+              </a:spcAft>
+            </a:pPr>
+            <a:r>
+              <a:rPr lang="en-ZA" sz="2400" dirty="0" smtClean="0">
+                <a:ea typeface="Calibri"/>
+                <a:cs typeface="Times New Roman"/>
+              </a:rPr>
+              <a:t> </a:t>
+            </a:r>
+            <a:endParaRPr lang="en-ZA" sz="2400" dirty="0">
+              <a:ea typeface="Calibri"/>
+              <a:cs typeface="Times New Roman"/>
+            </a:endParaRPr>
+          </a:p>
+          <a:p>
+            <a:pPr>
+              <a:lnSpc>
+                <a:spcPct val="115000"/>
+              </a:lnSpc>
+              <a:spcAft>
+                <a:spcPts val="4498"/>
+              </a:spcAft>
+            </a:pPr>
+            <a:r>
+              <a:rPr lang="en-ZA" sz="2400" u="sng" dirty="0" err="1">
+                <a:ea typeface="Calibri"/>
+                <a:cs typeface="Times New Roman"/>
+              </a:rPr>
+              <a:t>Overridable</a:t>
+            </a:r>
+            <a:r>
+              <a:rPr lang="en-ZA" sz="2400" u="sng" dirty="0">
+                <a:ea typeface="Calibri"/>
+                <a:cs typeface="Times New Roman"/>
+              </a:rPr>
+              <a:t> Methods:</a:t>
+            </a:r>
+            <a:endParaRPr lang="en-ZA" sz="2400" dirty="0">
+              <a:ea typeface="Calibri"/>
+              <a:cs typeface="Times New Roman"/>
+            </a:endParaRPr>
+          </a:p>
+          <a:p>
+            <a:pPr>
+              <a:lnSpc>
+                <a:spcPct val="115000"/>
+              </a:lnSpc>
+              <a:spcAft>
+                <a:spcPts val="4498"/>
+              </a:spcAft>
+            </a:pPr>
+            <a:r>
+              <a:rPr lang="en-ZA" sz="2400" dirty="0">
+                <a:ea typeface="Calibri"/>
+                <a:cs typeface="Times New Roman"/>
+              </a:rPr>
+              <a:t>Boolean </a:t>
+            </a:r>
+            <a:r>
+              <a:rPr lang="en-ZA" sz="2400" dirty="0" err="1">
+                <a:ea typeface="Calibri"/>
+                <a:cs typeface="Times New Roman"/>
+              </a:rPr>
+              <a:t>isDesirable</a:t>
+            </a:r>
+            <a:r>
+              <a:rPr lang="en-ZA" sz="2400" dirty="0">
+                <a:ea typeface="Calibri"/>
+                <a:cs typeface="Times New Roman"/>
+              </a:rPr>
+              <a:t>( Agent )</a:t>
+            </a:r>
+          </a:p>
+          <a:p>
+            <a:pPr>
+              <a:lnSpc>
+                <a:spcPct val="115000"/>
+              </a:lnSpc>
+              <a:spcAft>
+                <a:spcPts val="4498"/>
+              </a:spcAft>
+            </a:pPr>
+            <a:r>
+              <a:rPr lang="en-ZA" sz="2400" dirty="0">
+                <a:ea typeface="Calibri"/>
+                <a:cs typeface="Times New Roman"/>
+              </a:rPr>
+              <a:t>Boolean </a:t>
+            </a:r>
+            <a:r>
+              <a:rPr lang="en-ZA" sz="2400" dirty="0" err="1">
+                <a:ea typeface="Calibri"/>
+                <a:cs typeface="Times New Roman"/>
+              </a:rPr>
+              <a:t>isLooking</a:t>
+            </a:r>
+            <a:r>
+              <a:rPr lang="en-ZA" sz="2400" dirty="0">
+                <a:ea typeface="Calibri"/>
+                <a:cs typeface="Times New Roman"/>
+              </a:rPr>
+              <a:t>()</a:t>
+            </a:r>
+          </a:p>
+          <a:p>
+            <a:pPr>
+              <a:lnSpc>
+                <a:spcPct val="115000"/>
+              </a:lnSpc>
+              <a:spcAft>
+                <a:spcPts val="4498"/>
+              </a:spcAft>
+            </a:pPr>
+            <a:r>
+              <a:rPr lang="en-ZA" sz="2400" dirty="0" err="1">
+                <a:ea typeface="Calibri"/>
+                <a:cs typeface="Times New Roman"/>
+              </a:rPr>
+              <a:t>boolean</a:t>
+            </a:r>
+            <a:r>
+              <a:rPr lang="en-ZA" sz="2400" dirty="0">
+                <a:ea typeface="Calibri"/>
+                <a:cs typeface="Times New Roman"/>
+              </a:rPr>
+              <a:t> </a:t>
+            </a:r>
+            <a:r>
+              <a:rPr lang="en-ZA" sz="2400" dirty="0" err="1">
+                <a:ea typeface="Calibri"/>
+                <a:cs typeface="Times New Roman"/>
+              </a:rPr>
+              <a:t>isLookingFor</a:t>
+            </a:r>
+            <a:r>
+              <a:rPr lang="en-ZA" sz="2400" dirty="0">
+                <a:ea typeface="Calibri"/>
+                <a:cs typeface="Times New Roman"/>
+              </a:rPr>
+              <a:t>( Agent )</a:t>
+            </a:r>
+          </a:p>
+          <a:p>
+            <a:pPr>
+              <a:lnSpc>
+                <a:spcPct val="115000"/>
+              </a:lnSpc>
+              <a:spcAft>
+                <a:spcPts val="4498"/>
+              </a:spcAft>
+            </a:pPr>
+            <a:r>
+              <a:rPr lang="en-ZA" sz="2400" dirty="0">
+                <a:ea typeface="Calibri"/>
+                <a:cs typeface="Times New Roman"/>
+              </a:rPr>
+              <a:t>String </a:t>
+            </a:r>
+            <a:r>
+              <a:rPr lang="en-ZA" sz="2400" dirty="0" err="1">
+                <a:ea typeface="Calibri"/>
+                <a:cs typeface="Times New Roman"/>
+              </a:rPr>
+              <a:t>toString</a:t>
+            </a:r>
+            <a:r>
+              <a:rPr lang="en-ZA" sz="2400" dirty="0">
+                <a:ea typeface="Calibri"/>
+                <a:cs typeface="Times New Roman"/>
+              </a:rPr>
+              <a:t>()</a:t>
+            </a:r>
+            <a:r>
+              <a:rPr lang="en-ZA" sz="3200" b="1" dirty="0">
+                <a:ea typeface="Calibri"/>
+                <a:cs typeface="Times New Roman"/>
+              </a:rPr>
+              <a:t> </a:t>
+            </a:r>
+            <a:endParaRPr lang="en-ZA" sz="2400" dirty="0">
+              <a:ea typeface="Calibri"/>
+              <a:cs typeface="Times New Roman"/>
+            </a:endParaRPr>
+          </a:p>
+        </p:txBody>
+      </p:sp>
+      <p:cxnSp>
+        <p:nvCxnSpPr>
+          <p:cNvPr id="15" name="Straight Arrow Connector 14"/>
+          <p:cNvCxnSpPr/>
+          <p:nvPr/>
+        </p:nvCxnSpPr>
+        <p:spPr>
+          <a:xfrm flipV="1">
+            <a:off x="19414118" y="15035832"/>
+            <a:ext cx="6509012" cy="3825900"/>
+          </a:xfrm>
+          <a:prstGeom prst="straightConnector1">
+            <a:avLst/>
+          </a:prstGeom>
+          <a:ln>
+            <a:prstDash val="sysDash"/>
+            <a:tailEnd type="arrow"/>
+          </a:ln>
+        </p:spPr>
+        <p:style>
+          <a:lnRef idx="2">
+            <a:schemeClr val="dk1"/>
+          </a:lnRef>
+          <a:fillRef idx="1">
+            <a:schemeClr val="lt1"/>
+          </a:fillRef>
+          <a:effectRef idx="0">
+            <a:schemeClr val="dk1"/>
+          </a:effectRef>
+          <a:fontRef idx="minor">
+            <a:schemeClr val="dk1"/>
+          </a:fontRef>
+        </p:style>
+      </p:cxnSp>
+      <p:sp>
+        <p:nvSpPr>
+          <p:cNvPr id="17" name="Rectangle 16"/>
+          <p:cNvSpPr/>
+          <p:nvPr/>
+        </p:nvSpPr>
+        <p:spPr>
+          <a:xfrm>
+            <a:off x="24338954" y="18861732"/>
+            <a:ext cx="5616624" cy="11737304"/>
+          </a:xfrm>
+          <a:prstGeom prst="rect">
+            <a:avLst/>
+          </a:prstGeom>
+        </p:spPr>
+        <p:style>
+          <a:lnRef idx="2">
+            <a:schemeClr val="dk1"/>
+          </a:lnRef>
+          <a:fillRef idx="1">
+            <a:schemeClr val="lt1"/>
+          </a:fillRef>
+          <a:effectRef idx="0">
+            <a:schemeClr val="dk1"/>
+          </a:effectRef>
+          <a:fontRef idx="minor">
+            <a:schemeClr val="dk1"/>
+          </a:fontRef>
+        </p:style>
+        <p:txBody>
+          <a:bodyPr rot="0" spcFirstLastPara="0" vert="horz" wrap="square" lIns="411387" tIns="205693" rIns="411387" bIns="205693" numCol="1" spcCol="0" rtlCol="0" fromWordArt="0" anchor="t" anchorCtr="0" forceAA="0" compatLnSpc="1">
+            <a:prstTxWarp prst="textNoShape">
+              <a:avLst/>
+            </a:prstTxWarp>
+            <a:noAutofit/>
+          </a:bodyPr>
+          <a:lstStyle/>
+          <a:p>
+            <a:pPr>
+              <a:lnSpc>
+                <a:spcPct val="115000"/>
+              </a:lnSpc>
+              <a:spcAft>
+                <a:spcPts val="4498"/>
+              </a:spcAft>
+            </a:pPr>
+            <a:r>
+              <a:rPr lang="en-ZA" sz="3200" dirty="0" err="1" smtClean="0">
+                <a:ea typeface="Calibri"/>
+                <a:cs typeface="Times New Roman"/>
+              </a:rPr>
+              <a:t>SyphilisAgent</a:t>
+            </a:r>
+            <a:endParaRPr lang="en-ZA" sz="2400" dirty="0">
+              <a:ea typeface="Calibri"/>
+              <a:cs typeface="Times New Roman"/>
+            </a:endParaRPr>
+          </a:p>
+          <a:p>
+            <a:pPr marL="1542712" indent="-1542712">
+              <a:lnSpc>
+                <a:spcPct val="115000"/>
+              </a:lnSpc>
+              <a:buFont typeface="Symbol"/>
+              <a:buChar char=""/>
+            </a:pPr>
+            <a:r>
+              <a:rPr lang="en-ZA" sz="2400" dirty="0" err="1" smtClean="0">
+                <a:ea typeface="Calibri"/>
+                <a:cs typeface="Times New Roman"/>
+              </a:rPr>
+              <a:t>SyphilisWeeksInfected</a:t>
+            </a:r>
+            <a:endParaRPr lang="en-ZA" sz="2400" dirty="0" smtClean="0">
+              <a:ea typeface="Calibri"/>
+              <a:cs typeface="Times New Roman"/>
+            </a:endParaRPr>
+          </a:p>
+          <a:p>
+            <a:pPr>
+              <a:lnSpc>
+                <a:spcPct val="115000"/>
+              </a:lnSpc>
+            </a:pPr>
+            <a:r>
+              <a:rPr lang="en-ZA" sz="2400" dirty="0" smtClean="0">
+                <a:ea typeface="Calibri"/>
+                <a:cs typeface="Times New Roman"/>
+              </a:rPr>
+              <a:t> </a:t>
+            </a:r>
+            <a:endParaRPr lang="en-ZA" sz="2400" dirty="0">
+              <a:ea typeface="Calibri"/>
+              <a:cs typeface="Times New Roman"/>
+            </a:endParaRPr>
+          </a:p>
+          <a:p>
+            <a:pPr>
+              <a:lnSpc>
+                <a:spcPct val="115000"/>
+              </a:lnSpc>
+              <a:spcAft>
+                <a:spcPts val="4498"/>
+              </a:spcAft>
+            </a:pPr>
+            <a:r>
+              <a:rPr lang="en-ZA" sz="2400" u="sng" dirty="0">
+                <a:ea typeface="Calibri"/>
+                <a:cs typeface="Times New Roman"/>
+              </a:rPr>
+              <a:t>Methods:</a:t>
+            </a:r>
+            <a:endParaRPr lang="en-ZA" sz="2400" dirty="0">
+              <a:ea typeface="Calibri"/>
+              <a:cs typeface="Times New Roman"/>
+            </a:endParaRPr>
+          </a:p>
+          <a:p>
+            <a:pPr>
+              <a:lnSpc>
+                <a:spcPct val="115000"/>
+              </a:lnSpc>
+              <a:spcAft>
+                <a:spcPts val="4498"/>
+              </a:spcAft>
+            </a:pPr>
+            <a:r>
+              <a:rPr lang="en-ZA" sz="2400" dirty="0" smtClean="0">
+                <a:ea typeface="Calibri"/>
+                <a:cs typeface="Times New Roman"/>
+              </a:rPr>
+              <a:t> </a:t>
+            </a:r>
+            <a:endParaRPr lang="en-ZA" sz="2400" dirty="0">
+              <a:ea typeface="Calibri"/>
+              <a:cs typeface="Times New Roman"/>
+            </a:endParaRPr>
+          </a:p>
+          <a:p>
+            <a:pPr>
+              <a:lnSpc>
+                <a:spcPct val="115000"/>
+              </a:lnSpc>
+              <a:spcAft>
+                <a:spcPts val="4498"/>
+              </a:spcAft>
+            </a:pPr>
+            <a:r>
+              <a:rPr lang="en-ZA" sz="2400" u="sng" dirty="0" err="1">
+                <a:ea typeface="Calibri"/>
+                <a:cs typeface="Times New Roman"/>
+              </a:rPr>
+              <a:t>Overridable</a:t>
+            </a:r>
+            <a:r>
+              <a:rPr lang="en-ZA" sz="2400" u="sng" dirty="0">
+                <a:ea typeface="Calibri"/>
+                <a:cs typeface="Times New Roman"/>
+              </a:rPr>
+              <a:t> Methods:</a:t>
+            </a:r>
+            <a:endParaRPr lang="en-ZA" sz="2400" dirty="0">
+              <a:ea typeface="Calibri"/>
+              <a:cs typeface="Times New Roman"/>
+            </a:endParaRPr>
+          </a:p>
+          <a:p>
+            <a:pPr>
+              <a:lnSpc>
+                <a:spcPct val="115000"/>
+              </a:lnSpc>
+              <a:spcAft>
+                <a:spcPts val="4498"/>
+              </a:spcAft>
+            </a:pPr>
+            <a:r>
+              <a:rPr lang="en-ZA" sz="2400" dirty="0" smtClean="0">
+                <a:ea typeface="Calibri"/>
+                <a:cs typeface="Times New Roman"/>
+              </a:rPr>
+              <a:t>String </a:t>
+            </a:r>
+            <a:r>
+              <a:rPr lang="en-ZA" sz="2400" dirty="0" err="1">
+                <a:ea typeface="Calibri"/>
+                <a:cs typeface="Times New Roman"/>
+              </a:rPr>
+              <a:t>toString</a:t>
+            </a:r>
+            <a:r>
+              <a:rPr lang="en-ZA" sz="2400" dirty="0">
+                <a:ea typeface="Calibri"/>
+                <a:cs typeface="Times New Roman"/>
+              </a:rPr>
+              <a:t>()</a:t>
+            </a:r>
+            <a:r>
+              <a:rPr lang="en-ZA" sz="3200" b="1" dirty="0">
+                <a:ea typeface="Calibri"/>
+                <a:cs typeface="Times New Roman"/>
+              </a:rPr>
+              <a:t> </a:t>
+            </a:r>
+            <a:endParaRPr lang="en-ZA" sz="2400" dirty="0">
+              <a:ea typeface="Calibri"/>
+              <a:cs typeface="Times New Roman"/>
+            </a:endParaRPr>
+          </a:p>
+        </p:txBody>
+      </p:sp>
+      <p:cxnSp>
+        <p:nvCxnSpPr>
+          <p:cNvPr id="18" name="Straight Arrow Connector 17"/>
+          <p:cNvCxnSpPr/>
+          <p:nvPr/>
+        </p:nvCxnSpPr>
+        <p:spPr>
+          <a:xfrm flipH="1" flipV="1">
+            <a:off x="25923130" y="15035832"/>
+            <a:ext cx="4032448" cy="3825900"/>
+          </a:xfrm>
+          <a:prstGeom prst="straightConnector1">
+            <a:avLst/>
+          </a:prstGeom>
+          <a:ln>
+            <a:prstDash val="sysDash"/>
+            <a:tailEnd type="arrow"/>
+          </a:ln>
+        </p:spPr>
+        <p:style>
+          <a:lnRef idx="2">
+            <a:schemeClr val="dk1"/>
+          </a:lnRef>
+          <a:fillRef idx="1">
+            <a:schemeClr val="lt1"/>
+          </a:fillRef>
+          <a:effectRef idx="0">
+            <a:schemeClr val="dk1"/>
+          </a:effectRef>
+          <a:fontRef idx="minor">
+            <a:schemeClr val="dk1"/>
+          </a:fontRef>
+        </p:style>
+      </p:cxnSp>
+    </p:spTree>
+    <p:extLst>
+      <p:ext uri="{BB962C8B-B14F-4D97-AF65-F5344CB8AC3E}">
+        <p14:creationId xmlns:p14="http://schemas.microsoft.com/office/powerpoint/2010/main" val="664845433"/>
       </p:ext>
     </p:extLst>
   </p:cSld>
